--- a/TamMinhLe_techcon (1).pptx
+++ b/TamMinhLe_techcon (1).pptx
@@ -1106,7 +1106,13 @@
             </a:r>
             <a:r>
               <a:rPr lang="en-US" b="0" baseline="0" dirty="0" smtClean="0"/>
-              <a:t> is main part. Everything is provided out of the box, we don’t have to </a:t>
+              <a:t> is main part. </a:t>
+            </a:r>
+          </a:p>
+          <a:p>
+            <a:r>
+              <a:rPr lang="en-US" b="0" baseline="0" dirty="0" smtClean="0"/>
+              <a:t>Everything is provided out of the box, we don’t have to </a:t>
             </a:r>
             <a:r>
               <a:rPr lang="en-US" b="0" baseline="0" dirty="0" err="1" smtClean="0"/>
@@ -1115,6 +1121,28 @@
             <a:r>
               <a:rPr lang="en-US" b="0" baseline="0" dirty="0" smtClean="0"/>
               <a:t> anything else.</a:t>
+            </a:r>
+          </a:p>
+          <a:p>
+            <a:r>
+              <a:rPr lang="en-US" b="0" baseline="0" dirty="0" smtClean="0"/>
+              <a:t>Explain how store and model works, </a:t>
+            </a:r>
+            <a:r>
+              <a:rPr lang="en-US" b="0" baseline="0" dirty="0" err="1" smtClean="0"/>
+              <a:t>ajax</a:t>
+            </a:r>
+            <a:r>
+              <a:rPr lang="en-US" b="0" baseline="0" dirty="0" smtClean="0"/>
+              <a:t> request and API querying without much efforts, </a:t>
+            </a:r>
+            <a:r>
+              <a:rPr lang="en-US" b="0" baseline="0" dirty="0" err="1" smtClean="0"/>
+              <a:t>configs</a:t>
+            </a:r>
+            <a:r>
+              <a:rPr lang="en-US" b="0" baseline="0" smtClean="0"/>
+              <a:t>.</a:t>
             </a:r>
             <a:endParaRPr lang="en-US" b="0" dirty="0" smtClean="0"/>
           </a:p>
